--- a/Hands-on Modules/1. Pre-Lab Work/3. Pre-Lab Module.pptx
+++ b/Hands-on Modules/1. Pre-Lab Work/3. Pre-Lab Module.pptx
@@ -6,7 +6,7 @@
     <p:sldMasterId id="2147483665" r:id="rId5"/>
   </p:sldMasterIdLst>
   <p:notesMasterIdLst>
-    <p:notesMasterId r:id="rId21"/>
+    <p:notesMasterId r:id="rId19"/>
   </p:notesMasterIdLst>
   <p:sldIdLst>
     <p:sldId id="300" r:id="rId6"/>
@@ -20,10 +20,8 @@
     <p:sldId id="339" r:id="rId14"/>
     <p:sldId id="340" r:id="rId15"/>
     <p:sldId id="341" r:id="rId16"/>
-    <p:sldId id="334" r:id="rId17"/>
-    <p:sldId id="335" r:id="rId18"/>
-    <p:sldId id="333" r:id="rId19"/>
-    <p:sldId id="315" r:id="rId20"/>
+    <p:sldId id="333" r:id="rId17"/>
+    <p:sldId id="315" r:id="rId18"/>
   </p:sldIdLst>
   <p:sldSz cx="12192000" cy="6858000"/>
   <p:notesSz cx="6858000" cy="9144000"/>
@@ -770,7 +768,7 @@
           <a:p>
             <a:fld id="{35A2D088-BDBD-41A5-ADCE-5C6A4DC08057}" type="datetime8">
               <a:rPr lang="en-US" smtClean="0"/>
-              <a:t>2/27/2019 7:03 PM</a:t>
+              <a:t>2/27/2019 8:05 PM</a:t>
             </a:fld>
             <a:endParaRPr lang="en-US" dirty="0"/>
           </a:p>
@@ -1035,7 +1033,7 @@
           <a:p>
             <a:fld id="{35A2D088-BDBD-41A5-ADCE-5C6A4DC08057}" type="datetime8">
               <a:rPr lang="en-US" smtClean="0"/>
-              <a:t>2/27/2019 7:03 PM</a:t>
+              <a:t>2/27/2019 8:05 PM</a:t>
             </a:fld>
             <a:endParaRPr lang="en-US" dirty="0"/>
           </a:p>
@@ -1059,7 +1057,7 @@
             <a:fld id="{B4008EB6-D09E-4580-8CD6-DDB14511944F}" type="slidenum">
               <a:rPr lang="en-US" smtClean="0"/>
               <a:pPr/>
-              <a:t>14</a:t>
+              <a:t>12</a:t>
             </a:fld>
             <a:endParaRPr lang="en-US" dirty="0"/>
           </a:p>
@@ -1185,7 +1183,7 @@
                   <a:prstClr val="black"/>
                 </a:solidFill>
               </a:rPr>
-              <a:t>2/27/2019 7:03 PM</a:t>
+              <a:t>2/27/2019 8:05 PM</a:t>
             </a:fld>
             <a:endParaRPr lang="en-US" dirty="0">
               <a:solidFill>
@@ -1217,7 +1215,7 @@
                 </a:solidFill>
               </a:rPr>
               <a:pPr/>
-              <a:t>15</a:t>
+              <a:t>13</a:t>
             </a:fld>
             <a:endParaRPr lang="en-US" dirty="0">
               <a:solidFill>
@@ -11582,418 +11580,6 @@
     <p:extLst>
       <p:ext uri="{BB962C8B-B14F-4D97-AF65-F5344CB8AC3E}">
         <p14:creationId xmlns:p14="http://schemas.microsoft.com/office/powerpoint/2010/main" val="413498581"/>
-      </p:ext>
-    </p:extLst>
-  </p:cSld>
-  <p:clrMapOvr>
-    <a:masterClrMapping/>
-  </p:clrMapOvr>
-</p:sldLayout>
-</file>
-
-<file path=ppt/slideLayouts/slideLayout32.xml><?xml version="1.0" encoding="utf-8"?>
-<p:sldLayout xmlns:a="http://schemas.openxmlformats.org/drawingml/2006/main" xmlns:r="http://schemas.openxmlformats.org/officeDocument/2006/relationships" xmlns:p="http://schemas.openxmlformats.org/presentationml/2006/main" type="twoTxTwoObj">
-  <p:cSld name="Comparison">
-    <p:spTree>
-      <p:nvGrpSpPr>
-        <p:cNvPr id="1" name=""/>
-        <p:cNvGrpSpPr/>
-        <p:nvPr/>
-      </p:nvGrpSpPr>
-      <p:grpSpPr>
-        <a:xfrm>
-          <a:off x="0" y="0"/>
-          <a:ext cx="0" cy="0"/>
-          <a:chOff x="0" y="0"/>
-          <a:chExt cx="0" cy="0"/>
-        </a:xfrm>
-      </p:grpSpPr>
-      <p:sp>
-        <p:nvSpPr>
-          <p:cNvPr id="2" name="Title 1">
-            <a:extLst>
-              <a:ext uri="{FF2B5EF4-FFF2-40B4-BE49-F238E27FC236}">
-                <a16:creationId xmlns:a16="http://schemas.microsoft.com/office/drawing/2014/main" id="{FBE05982-4128-4C74-A82F-6F0BF058E910}"/>
-              </a:ext>
-            </a:extLst>
-          </p:cNvPr>
-          <p:cNvSpPr>
-            <a:spLocks noGrp="1"/>
-          </p:cNvSpPr>
-          <p:nvPr>
-            <p:ph type="title"/>
-          </p:nvPr>
-        </p:nvSpPr>
-        <p:spPr>
-          <a:xfrm>
-            <a:off x="839788" y="365125"/>
-            <a:ext cx="10515600" cy="1325563"/>
-          </a:xfrm>
-        </p:spPr>
-        <p:txBody>
-          <a:bodyPr/>
-          <a:lstStyle/>
-          <a:p>
-            <a:r>
-              <a:rPr lang="en-US"/>
-              <a:t>Click to edit Master title style</a:t>
-            </a:r>
-          </a:p>
-        </p:txBody>
-      </p:sp>
-      <p:sp>
-        <p:nvSpPr>
-          <p:cNvPr id="3" name="Text Placeholder 2">
-            <a:extLst>
-              <a:ext uri="{FF2B5EF4-FFF2-40B4-BE49-F238E27FC236}">
-                <a16:creationId xmlns:a16="http://schemas.microsoft.com/office/drawing/2014/main" id="{0AFF7815-6F55-41D9-974B-EE38A502FCDB}"/>
-              </a:ext>
-            </a:extLst>
-          </p:cNvPr>
-          <p:cNvSpPr>
-            <a:spLocks noGrp="1"/>
-          </p:cNvSpPr>
-          <p:nvPr>
-            <p:ph type="body" idx="1"/>
-          </p:nvPr>
-        </p:nvSpPr>
-        <p:spPr>
-          <a:xfrm>
-            <a:off x="839788" y="1681163"/>
-            <a:ext cx="5157787" cy="823912"/>
-          </a:xfrm>
-        </p:spPr>
-        <p:txBody>
-          <a:bodyPr anchor="b"/>
-          <a:lstStyle>
-            <a:lvl1pPr marL="0" indent="0">
-              <a:buNone/>
-              <a:defRPr sz="2400" b="1"/>
-            </a:lvl1pPr>
-            <a:lvl2pPr marL="457200" indent="0">
-              <a:buNone/>
-              <a:defRPr sz="2000" b="1"/>
-            </a:lvl2pPr>
-            <a:lvl3pPr marL="914400" indent="0">
-              <a:buNone/>
-              <a:defRPr sz="1800" b="1"/>
-            </a:lvl3pPr>
-            <a:lvl4pPr marL="1371600" indent="0">
-              <a:buNone/>
-              <a:defRPr sz="1600" b="1"/>
-            </a:lvl4pPr>
-            <a:lvl5pPr marL="1828800" indent="0">
-              <a:buNone/>
-              <a:defRPr sz="1600" b="1"/>
-            </a:lvl5pPr>
-            <a:lvl6pPr marL="2286000" indent="0">
-              <a:buNone/>
-              <a:defRPr sz="1600" b="1"/>
-            </a:lvl6pPr>
-            <a:lvl7pPr marL="2743200" indent="0">
-              <a:buNone/>
-              <a:defRPr sz="1600" b="1"/>
-            </a:lvl7pPr>
-            <a:lvl8pPr marL="3200400" indent="0">
-              <a:buNone/>
-              <a:defRPr sz="1600" b="1"/>
-            </a:lvl8pPr>
-            <a:lvl9pPr marL="3657600" indent="0">
-              <a:buNone/>
-              <a:defRPr sz="1600" b="1"/>
-            </a:lvl9pPr>
-          </a:lstStyle>
-          <a:p>
-            <a:pPr lvl="0"/>
-            <a:r>
-              <a:rPr lang="en-US"/>
-              <a:t>Edit Master text styles</a:t>
-            </a:r>
-          </a:p>
-        </p:txBody>
-      </p:sp>
-      <p:sp>
-        <p:nvSpPr>
-          <p:cNvPr id="4" name="Content Placeholder 3">
-            <a:extLst>
-              <a:ext uri="{FF2B5EF4-FFF2-40B4-BE49-F238E27FC236}">
-                <a16:creationId xmlns:a16="http://schemas.microsoft.com/office/drawing/2014/main" id="{D2B98FC6-D6EB-4E66-9E44-3C23F16FB85D}"/>
-              </a:ext>
-            </a:extLst>
-          </p:cNvPr>
-          <p:cNvSpPr>
-            <a:spLocks noGrp="1"/>
-          </p:cNvSpPr>
-          <p:nvPr>
-            <p:ph sz="half" idx="2"/>
-          </p:nvPr>
-        </p:nvSpPr>
-        <p:spPr>
-          <a:xfrm>
-            <a:off x="839788" y="2505075"/>
-            <a:ext cx="5157787" cy="3684588"/>
-          </a:xfrm>
-        </p:spPr>
-        <p:txBody>
-          <a:bodyPr/>
-          <a:lstStyle/>
-          <a:p>
-            <a:pPr lvl="0"/>
-            <a:r>
-              <a:rPr lang="en-US"/>
-              <a:t>Edit Master text styles</a:t>
-            </a:r>
-          </a:p>
-          <a:p>
-            <a:pPr lvl="1"/>
-            <a:r>
-              <a:rPr lang="en-US"/>
-              <a:t>Second level</a:t>
-            </a:r>
-          </a:p>
-          <a:p>
-            <a:pPr lvl="2"/>
-            <a:r>
-              <a:rPr lang="en-US"/>
-              <a:t>Third level</a:t>
-            </a:r>
-          </a:p>
-          <a:p>
-            <a:pPr lvl="3"/>
-            <a:r>
-              <a:rPr lang="en-US"/>
-              <a:t>Fourth level</a:t>
-            </a:r>
-          </a:p>
-          <a:p>
-            <a:pPr lvl="4"/>
-            <a:r>
-              <a:rPr lang="en-US"/>
-              <a:t>Fifth level</a:t>
-            </a:r>
-          </a:p>
-        </p:txBody>
-      </p:sp>
-      <p:sp>
-        <p:nvSpPr>
-          <p:cNvPr id="5" name="Text Placeholder 4">
-            <a:extLst>
-              <a:ext uri="{FF2B5EF4-FFF2-40B4-BE49-F238E27FC236}">
-                <a16:creationId xmlns:a16="http://schemas.microsoft.com/office/drawing/2014/main" id="{B952DB83-BA9E-4755-9DAE-5D7142971AFE}"/>
-              </a:ext>
-            </a:extLst>
-          </p:cNvPr>
-          <p:cNvSpPr>
-            <a:spLocks noGrp="1"/>
-          </p:cNvSpPr>
-          <p:nvPr>
-            <p:ph type="body" sz="quarter" idx="3"/>
-          </p:nvPr>
-        </p:nvSpPr>
-        <p:spPr>
-          <a:xfrm>
-            <a:off x="6172200" y="1681163"/>
-            <a:ext cx="5183188" cy="823912"/>
-          </a:xfrm>
-        </p:spPr>
-        <p:txBody>
-          <a:bodyPr anchor="b"/>
-          <a:lstStyle>
-            <a:lvl1pPr marL="0" indent="0">
-              <a:buNone/>
-              <a:defRPr sz="2400" b="1"/>
-            </a:lvl1pPr>
-            <a:lvl2pPr marL="457200" indent="0">
-              <a:buNone/>
-              <a:defRPr sz="2000" b="1"/>
-            </a:lvl2pPr>
-            <a:lvl3pPr marL="914400" indent="0">
-              <a:buNone/>
-              <a:defRPr sz="1800" b="1"/>
-            </a:lvl3pPr>
-            <a:lvl4pPr marL="1371600" indent="0">
-              <a:buNone/>
-              <a:defRPr sz="1600" b="1"/>
-            </a:lvl4pPr>
-            <a:lvl5pPr marL="1828800" indent="0">
-              <a:buNone/>
-              <a:defRPr sz="1600" b="1"/>
-            </a:lvl5pPr>
-            <a:lvl6pPr marL="2286000" indent="0">
-              <a:buNone/>
-              <a:defRPr sz="1600" b="1"/>
-            </a:lvl6pPr>
-            <a:lvl7pPr marL="2743200" indent="0">
-              <a:buNone/>
-              <a:defRPr sz="1600" b="1"/>
-            </a:lvl7pPr>
-            <a:lvl8pPr marL="3200400" indent="0">
-              <a:buNone/>
-              <a:defRPr sz="1600" b="1"/>
-            </a:lvl8pPr>
-            <a:lvl9pPr marL="3657600" indent="0">
-              <a:buNone/>
-              <a:defRPr sz="1600" b="1"/>
-            </a:lvl9pPr>
-          </a:lstStyle>
-          <a:p>
-            <a:pPr lvl="0"/>
-            <a:r>
-              <a:rPr lang="en-US"/>
-              <a:t>Edit Master text styles</a:t>
-            </a:r>
-          </a:p>
-        </p:txBody>
-      </p:sp>
-      <p:sp>
-        <p:nvSpPr>
-          <p:cNvPr id="6" name="Content Placeholder 5">
-            <a:extLst>
-              <a:ext uri="{FF2B5EF4-FFF2-40B4-BE49-F238E27FC236}">
-                <a16:creationId xmlns:a16="http://schemas.microsoft.com/office/drawing/2014/main" id="{48AC0E1F-988F-49C2-BADE-8A6C0F94A8A6}"/>
-              </a:ext>
-            </a:extLst>
-          </p:cNvPr>
-          <p:cNvSpPr>
-            <a:spLocks noGrp="1"/>
-          </p:cNvSpPr>
-          <p:nvPr>
-            <p:ph sz="quarter" idx="4"/>
-          </p:nvPr>
-        </p:nvSpPr>
-        <p:spPr>
-          <a:xfrm>
-            <a:off x="6172200" y="2505075"/>
-            <a:ext cx="5183188" cy="3684588"/>
-          </a:xfrm>
-        </p:spPr>
-        <p:txBody>
-          <a:bodyPr/>
-          <a:lstStyle/>
-          <a:p>
-            <a:pPr lvl="0"/>
-            <a:r>
-              <a:rPr lang="en-US"/>
-              <a:t>Edit Master text styles</a:t>
-            </a:r>
-          </a:p>
-          <a:p>
-            <a:pPr lvl="1"/>
-            <a:r>
-              <a:rPr lang="en-US"/>
-              <a:t>Second level</a:t>
-            </a:r>
-          </a:p>
-          <a:p>
-            <a:pPr lvl="2"/>
-            <a:r>
-              <a:rPr lang="en-US"/>
-              <a:t>Third level</a:t>
-            </a:r>
-          </a:p>
-          <a:p>
-            <a:pPr lvl="3"/>
-            <a:r>
-              <a:rPr lang="en-US"/>
-              <a:t>Fourth level</a:t>
-            </a:r>
-          </a:p>
-          <a:p>
-            <a:pPr lvl="4"/>
-            <a:r>
-              <a:rPr lang="en-US"/>
-              <a:t>Fifth level</a:t>
-            </a:r>
-          </a:p>
-        </p:txBody>
-      </p:sp>
-      <p:sp>
-        <p:nvSpPr>
-          <p:cNvPr id="7" name="Date Placeholder 6">
-            <a:extLst>
-              <a:ext uri="{FF2B5EF4-FFF2-40B4-BE49-F238E27FC236}">
-                <a16:creationId xmlns:a16="http://schemas.microsoft.com/office/drawing/2014/main" id="{E9F937FE-B24B-43F8-AA79-6E6EEA685A25}"/>
-              </a:ext>
-            </a:extLst>
-          </p:cNvPr>
-          <p:cNvSpPr>
-            <a:spLocks noGrp="1"/>
-          </p:cNvSpPr>
-          <p:nvPr>
-            <p:ph type="dt" sz="half" idx="10"/>
-          </p:nvPr>
-        </p:nvSpPr>
-        <p:spPr/>
-        <p:txBody>
-          <a:bodyPr/>
-          <a:lstStyle/>
-          <a:p>
-            <a:fld id="{1279C872-40C5-4778-A459-913B2790679C}" type="datetimeFigureOut">
-              <a:rPr lang="en-US" smtClean="0"/>
-              <a:t>2/27/2019</a:t>
-            </a:fld>
-            <a:endParaRPr lang="en-US"/>
-          </a:p>
-        </p:txBody>
-      </p:sp>
-      <p:sp>
-        <p:nvSpPr>
-          <p:cNvPr id="8" name="Footer Placeholder 7">
-            <a:extLst>
-              <a:ext uri="{FF2B5EF4-FFF2-40B4-BE49-F238E27FC236}">
-                <a16:creationId xmlns:a16="http://schemas.microsoft.com/office/drawing/2014/main" id="{68827D29-E907-475D-95CD-8A4ECF082A5C}"/>
-              </a:ext>
-            </a:extLst>
-          </p:cNvPr>
-          <p:cNvSpPr>
-            <a:spLocks noGrp="1"/>
-          </p:cNvSpPr>
-          <p:nvPr>
-            <p:ph type="ftr" sz="quarter" idx="11"/>
-          </p:nvPr>
-        </p:nvSpPr>
-        <p:spPr/>
-        <p:txBody>
-          <a:bodyPr/>
-          <a:lstStyle/>
-          <a:p>
-            <a:endParaRPr lang="en-US"/>
-          </a:p>
-        </p:txBody>
-      </p:sp>
-      <p:sp>
-        <p:nvSpPr>
-          <p:cNvPr id="9" name="Slide Number Placeholder 8">
-            <a:extLst>
-              <a:ext uri="{FF2B5EF4-FFF2-40B4-BE49-F238E27FC236}">
-                <a16:creationId xmlns:a16="http://schemas.microsoft.com/office/drawing/2014/main" id="{B5F2C0BF-BBC3-41FF-9520-E5229089E22B}"/>
-              </a:ext>
-            </a:extLst>
-          </p:cNvPr>
-          <p:cNvSpPr>
-            <a:spLocks noGrp="1"/>
-          </p:cNvSpPr>
-          <p:nvPr>
-            <p:ph type="sldNum" sz="quarter" idx="12"/>
-          </p:nvPr>
-        </p:nvSpPr>
-        <p:spPr/>
-        <p:txBody>
-          <a:bodyPr/>
-          <a:lstStyle/>
-          <a:p>
-            <a:fld id="{A9750100-3570-4DE3-A91F-E57EAF767500}" type="slidenum">
-              <a:rPr lang="en-US" smtClean="0"/>
-              <a:t>‹#›</a:t>
-            </a:fld>
-            <a:endParaRPr lang="en-US"/>
-          </a:p>
-        </p:txBody>
-      </p:sp>
-    </p:spTree>
-    <p:extLst>
-      <p:ext uri="{BB962C8B-B14F-4D97-AF65-F5344CB8AC3E}">
-        <p14:creationId xmlns:p14="http://schemas.microsoft.com/office/powerpoint/2010/main" val="1694226035"/>
       </p:ext>
     </p:extLst>
   </p:cSld>
@@ -13670,7 +13256,6 @@
     <p:sldLayoutId id="2147483683" r:id="rId18"/>
     <p:sldLayoutId id="2147483693" r:id="rId19"/>
     <p:sldLayoutId id="2147483694" r:id="rId20"/>
-    <p:sldLayoutId id="2147483695" r:id="rId21"/>
   </p:sldLayoutIdLst>
   <p:transition>
     <p:fade/>
@@ -14320,7 +13905,30 @@
           </a:bodyPr>
           <a:lstStyle/>
           <a:p>
-            <a:endParaRPr lang="en-US" sz="1400" dirty="0"/>
+            <a:r>
+              <a:rPr lang="en-US" sz="2000" dirty="0"/>
+              <a:t>Download both Workbooks onto your local drive</a:t>
+            </a:r>
+          </a:p>
+          <a:p>
+            <a:r>
+              <a:rPr lang="en-US" sz="2000" dirty="0"/>
+              <a:t>Open the first Workbook by double-clicking the file (or navigate to File-&gt;Open from Power BI and navigate to the .</a:t>
+            </a:r>
+            <a:r>
+              <a:rPr lang="en-US" sz="2000" dirty="0" err="1"/>
+              <a:t>pbix</a:t>
+            </a:r>
+            <a:r>
+              <a:rPr lang="en-US" sz="2000" dirty="0"/>
+              <a:t> file)</a:t>
+            </a:r>
+          </a:p>
+          <a:p>
+            <a:r>
+              <a:rPr lang="en-US" sz="2000" dirty="0"/>
+              <a:t>Publish the Workbook to your Workspace by clicking “Publish” in the Quick Access Toolbar and selecting a Workspace available to your account</a:t>
+            </a:r>
           </a:p>
         </p:txBody>
       </p:sp>
@@ -14360,6 +13968,108 @@
               <a:latin typeface="+mn-lt"/>
               <a:ea typeface="+mj-ea"/>
               <a:cs typeface="+mj-cs"/>
+            </a:endParaRPr>
+          </a:p>
+        </p:txBody>
+      </p:sp>
+      <p:pic>
+        <p:nvPicPr>
+          <p:cNvPr id="3" name="Picture 2">
+            <a:extLst>
+              <a:ext uri="{FF2B5EF4-FFF2-40B4-BE49-F238E27FC236}">
+                <a16:creationId xmlns:a16="http://schemas.microsoft.com/office/drawing/2014/main" id="{B757E940-D8A2-4876-8007-BF90B0E799B7}"/>
+              </a:ext>
+            </a:extLst>
+          </p:cNvPr>
+          <p:cNvPicPr>
+            <a:picLocks noChangeAspect="1"/>
+          </p:cNvPicPr>
+          <p:nvPr/>
+        </p:nvPicPr>
+        <p:blipFill>
+          <a:blip r:embed="rId2"/>
+          <a:stretch>
+            <a:fillRect/>
+          </a:stretch>
+        </p:blipFill>
+        <p:spPr>
+          <a:xfrm>
+            <a:off x="1212477" y="3555032"/>
+            <a:ext cx="9767047" cy="1071901"/>
+          </a:xfrm>
+          <a:prstGeom prst="rect">
+            <a:avLst/>
+          </a:prstGeom>
+        </p:spPr>
+      </p:pic>
+      <p:sp>
+        <p:nvSpPr>
+          <p:cNvPr id="5" name="Rectangle 4">
+            <a:extLst>
+              <a:ext uri="{FF2B5EF4-FFF2-40B4-BE49-F238E27FC236}">
+                <a16:creationId xmlns:a16="http://schemas.microsoft.com/office/drawing/2014/main" id="{72B24A3B-2A92-446F-B2DA-35E4C5EDA829}"/>
+              </a:ext>
+            </a:extLst>
+          </p:cNvPr>
+          <p:cNvSpPr/>
+          <p:nvPr/>
+        </p:nvSpPr>
+        <p:spPr bwMode="auto">
+          <a:xfrm>
+            <a:off x="10381129" y="3616794"/>
+            <a:ext cx="645460" cy="838251"/>
+          </a:xfrm>
+          <a:prstGeom prst="rect">
+            <a:avLst/>
+          </a:prstGeom>
+          <a:noFill/>
+          <a:ln w="57150">
+            <a:solidFill>
+              <a:srgbClr val="FF0000"/>
+            </a:solidFill>
+            <a:headEnd type="none" w="med" len="med"/>
+            <a:tailEnd type="none" w="med" len="med"/>
+          </a:ln>
+          <a:effectLst/>
+        </p:spPr>
+        <p:style>
+          <a:lnRef idx="1">
+            <a:schemeClr val="accent2"/>
+          </a:lnRef>
+          <a:fillRef idx="3">
+            <a:schemeClr val="accent2"/>
+          </a:fillRef>
+          <a:effectRef idx="2">
+            <a:schemeClr val="accent2"/>
+          </a:effectRef>
+          <a:fontRef idx="minor">
+            <a:schemeClr val="lt1"/>
+          </a:fontRef>
+        </p:style>
+        <p:txBody>
+          <a:bodyPr rot="0" spcFirstLastPara="0" vertOverflow="overflow" horzOverflow="overflow" vert="horz" wrap="square" lIns="182880" tIns="146304" rIns="182880" bIns="146304" numCol="1" spcCol="0" rtlCol="0" fromWordArt="0" anchor="t" anchorCtr="0" forceAA="0" compatLnSpc="1">
+            <a:prstTxWarp prst="textNoShape">
+              <a:avLst/>
+            </a:prstTxWarp>
+            <a:noAutofit/>
+          </a:bodyPr>
+          <a:lstStyle/>
+          <a:p>
+            <a:pPr algn="ctr" defTabSz="932472" fontAlgn="base">
+              <a:lnSpc>
+                <a:spcPct val="90000"/>
+              </a:lnSpc>
+              <a:spcBef>
+                <a:spcPct val="0"/>
+              </a:spcBef>
+              <a:spcAft>
+                <a:spcPct val="0"/>
+              </a:spcAft>
+            </a:pPr>
+            <a:endParaRPr lang="en-US" sz="2400" dirty="0" err="1">
+              <a:noFill/>
+              <a:ea typeface="Segoe UI" pitchFamily="34" charset="0"/>
+              <a:cs typeface="Segoe UI" pitchFamily="34" charset="0"/>
             </a:endParaRPr>
           </a:p>
         </p:txBody>
@@ -14413,14 +14123,59 @@
             <p:ph type="body" sz="quarter" idx="10"/>
           </p:nvPr>
         </p:nvSpPr>
-        <p:spPr/>
+        <p:spPr>
+          <a:xfrm>
+            <a:off x="269239" y="1189177"/>
+            <a:ext cx="11653523" cy="899665"/>
+          </a:xfrm>
+        </p:spPr>
         <p:txBody>
           <a:bodyPr vert="horz" lIns="91440" tIns="45720" rIns="91440" bIns="45720" rtlCol="0">
             <a:normAutofit/>
           </a:bodyPr>
           <a:lstStyle/>
           <a:p>
-            <a:endParaRPr lang="en-US" sz="1400" dirty="0"/>
+            <a:r>
+              <a:rPr lang="en-US" sz="2000" dirty="0">
+                <a:solidFill>
+                  <a:schemeClr val="tx1"/>
+                </a:solidFill>
+              </a:rPr>
+              <a:t>Download the Web App files onto your local drive</a:t>
+            </a:r>
+          </a:p>
+          <a:p>
+            <a:r>
+              <a:rPr lang="en-US" sz="2000" dirty="0">
+                <a:solidFill>
+                  <a:schemeClr val="tx1"/>
+                </a:solidFill>
+              </a:rPr>
+              <a:t>Use </a:t>
+            </a:r>
+            <a:r>
+              <a:rPr lang="en-US" sz="2000" b="1" dirty="0">
+                <a:solidFill>
+                  <a:schemeClr val="tx1"/>
+                </a:solidFill>
+                <a:hlinkClick r:id="rId2">
+                  <a:extLst>
+                    <a:ext uri="{A12FA001-AC4F-418D-AE19-62706E023703}">
+                      <ahyp:hlinkClr xmlns:ahyp="http://schemas.microsoft.com/office/drawing/2018/hyperlinkcolor" val="tx"/>
+                    </a:ext>
+                  </a:extLst>
+                </a:hlinkClick>
+              </a:rPr>
+              <a:t>Visual Studio Code </a:t>
+            </a:r>
+            <a:r>
+              <a:rPr lang="en-US" sz="2000" dirty="0">
+                <a:solidFill>
+                  <a:schemeClr val="tx1"/>
+                </a:solidFill>
+              </a:rPr>
+              <a:t>or your favorite editor to open the Web App folder into the Explorer</a:t>
+            </a:r>
           </a:p>
         </p:txBody>
       </p:sp>
@@ -14469,6 +14224,36 @@
           </a:p>
         </p:txBody>
       </p:sp>
+      <p:pic>
+        <p:nvPicPr>
+          <p:cNvPr id="3" name="Picture 2">
+            <a:extLst>
+              <a:ext uri="{FF2B5EF4-FFF2-40B4-BE49-F238E27FC236}">
+                <a16:creationId xmlns:a16="http://schemas.microsoft.com/office/drawing/2014/main" id="{EDE2CF65-82AC-4C80-BFA9-3CDB6ECF03C3}"/>
+              </a:ext>
+            </a:extLst>
+          </p:cNvPr>
+          <p:cNvPicPr>
+            <a:picLocks noChangeAspect="1"/>
+          </p:cNvPicPr>
+          <p:nvPr/>
+        </p:nvPicPr>
+        <p:blipFill>
+          <a:blip r:embed="rId3"/>
+          <a:stretch>
+            <a:fillRect/>
+          </a:stretch>
+        </p:blipFill>
+        <p:spPr>
+          <a:xfrm>
+            <a:off x="4014820" y="2215192"/>
+            <a:ext cx="4162359" cy="3818965"/>
+          </a:xfrm>
+          <a:prstGeom prst="rect">
+            <a:avLst/>
+          </a:prstGeom>
+        </p:spPr>
+      </p:pic>
     </p:spTree>
     <p:extLst>
       <p:ext uri="{BB962C8B-B14F-4D97-AF65-F5344CB8AC3E}">
@@ -14504,252 +14289,6 @@
       </p:grpSpPr>
       <p:sp>
         <p:nvSpPr>
-          <p:cNvPr id="2" name="Title 1">
-            <a:extLst>
-              <a:ext uri="{FF2B5EF4-FFF2-40B4-BE49-F238E27FC236}">
-                <a16:creationId xmlns:a16="http://schemas.microsoft.com/office/drawing/2014/main" id="{5E33DDE4-2F49-4E9B-9E06-45C9BD82FC95}"/>
-              </a:ext>
-            </a:extLst>
-          </p:cNvPr>
-          <p:cNvSpPr>
-            <a:spLocks noGrp="1"/>
-          </p:cNvSpPr>
-          <p:nvPr>
-            <p:ph type="title"/>
-          </p:nvPr>
-        </p:nvSpPr>
-        <p:spPr/>
-        <p:txBody>
-          <a:bodyPr/>
-          <a:lstStyle/>
-          <a:p>
-            <a:r>
-              <a:rPr lang="en-US" dirty="0"/>
-              <a:t>FAQs</a:t>
-            </a:r>
-          </a:p>
-        </p:txBody>
-      </p:sp>
-    </p:spTree>
-    <p:extLst>
-      <p:ext uri="{BB962C8B-B14F-4D97-AF65-F5344CB8AC3E}">
-        <p14:creationId xmlns:p14="http://schemas.microsoft.com/office/powerpoint/2010/main" val="383688892"/>
-      </p:ext>
-    </p:extLst>
-  </p:cSld>
-  <p:clrMapOvr>
-    <a:masterClrMapping/>
-  </p:clrMapOvr>
-  <p:transition>
-    <p:fade/>
-  </p:transition>
-</p:sld>
-</file>
-
-<file path=ppt/slides/slide13.xml><?xml version="1.0" encoding="utf-8"?>
-<p:sld xmlns:a="http://schemas.openxmlformats.org/drawingml/2006/main" xmlns:r="http://schemas.openxmlformats.org/officeDocument/2006/relationships" xmlns:p="http://schemas.openxmlformats.org/presentationml/2006/main">
-  <p:cSld>
-    <p:spTree>
-      <p:nvGrpSpPr>
-        <p:cNvPr id="1" name=""/>
-        <p:cNvGrpSpPr/>
-        <p:nvPr/>
-      </p:nvGrpSpPr>
-      <p:grpSpPr>
-        <a:xfrm>
-          <a:off x="0" y="0"/>
-          <a:ext cx="0" cy="0"/>
-          <a:chOff x="0" y="0"/>
-          <a:chExt cx="0" cy="0"/>
-        </a:xfrm>
-      </p:grpSpPr>
-      <p:sp>
-        <p:nvSpPr>
-          <p:cNvPr id="5" name="Title 4">
-            <a:extLst>
-              <a:ext uri="{FF2B5EF4-FFF2-40B4-BE49-F238E27FC236}">
-                <a16:creationId xmlns:a16="http://schemas.microsoft.com/office/drawing/2014/main" id="{1B604281-1379-41C8-8F62-B6A453B8DF12}"/>
-              </a:ext>
-            </a:extLst>
-          </p:cNvPr>
-          <p:cNvSpPr>
-            <a:spLocks noGrp="1"/>
-          </p:cNvSpPr>
-          <p:nvPr>
-            <p:ph type="title"/>
-          </p:nvPr>
-        </p:nvSpPr>
-        <p:spPr/>
-        <p:txBody>
-          <a:bodyPr/>
-          <a:lstStyle/>
-          <a:p>
-            <a:r>
-              <a:rPr lang="en-US" dirty="0"/>
-              <a:t>FAQs</a:t>
-            </a:r>
-          </a:p>
-        </p:txBody>
-      </p:sp>
-      <p:sp>
-        <p:nvSpPr>
-          <p:cNvPr id="3" name="Text Placeholder 2">
-            <a:extLst>
-              <a:ext uri="{FF2B5EF4-FFF2-40B4-BE49-F238E27FC236}">
-                <a16:creationId xmlns:a16="http://schemas.microsoft.com/office/drawing/2014/main" id="{6755848A-B95D-4DD9-BB42-F8F14427555E}"/>
-              </a:ext>
-            </a:extLst>
-          </p:cNvPr>
-          <p:cNvSpPr>
-            <a:spLocks noGrp="1"/>
-          </p:cNvSpPr>
-          <p:nvPr>
-            <p:ph type="body" idx="1"/>
-          </p:nvPr>
-        </p:nvSpPr>
-        <p:spPr>
-          <a:xfrm>
-            <a:off x="839788" y="2098810"/>
-            <a:ext cx="5157787" cy="406265"/>
-          </a:xfrm>
-        </p:spPr>
-        <p:txBody>
-          <a:bodyPr/>
-          <a:lstStyle/>
-          <a:p>
-            <a:endParaRPr lang="en-US" sz="1600" dirty="0"/>
-          </a:p>
-        </p:txBody>
-      </p:sp>
-      <p:sp>
-        <p:nvSpPr>
-          <p:cNvPr id="6" name="Content Placeholder 5">
-            <a:extLst>
-              <a:ext uri="{FF2B5EF4-FFF2-40B4-BE49-F238E27FC236}">
-                <a16:creationId xmlns:a16="http://schemas.microsoft.com/office/drawing/2014/main" id="{4C38ED99-8475-4492-B62C-D98E7DA57BC5}"/>
-              </a:ext>
-            </a:extLst>
-          </p:cNvPr>
-          <p:cNvSpPr>
-            <a:spLocks noGrp="1"/>
-          </p:cNvSpPr>
-          <p:nvPr>
-            <p:ph sz="half" idx="2"/>
-          </p:nvPr>
-        </p:nvSpPr>
-        <p:spPr>
-          <a:xfrm>
-            <a:off x="839788" y="2505075"/>
-            <a:ext cx="5157787" cy="406265"/>
-          </a:xfrm>
-        </p:spPr>
-        <p:txBody>
-          <a:bodyPr/>
-          <a:lstStyle/>
-          <a:p>
-            <a:endParaRPr lang="en-US" sz="1600" dirty="0"/>
-          </a:p>
-        </p:txBody>
-      </p:sp>
-      <p:sp>
-        <p:nvSpPr>
-          <p:cNvPr id="7" name="Text Placeholder 6">
-            <a:extLst>
-              <a:ext uri="{FF2B5EF4-FFF2-40B4-BE49-F238E27FC236}">
-                <a16:creationId xmlns:a16="http://schemas.microsoft.com/office/drawing/2014/main" id="{AC91689F-45D4-4EC5-8221-1E9C3943A948}"/>
-              </a:ext>
-            </a:extLst>
-          </p:cNvPr>
-          <p:cNvSpPr>
-            <a:spLocks noGrp="1"/>
-          </p:cNvSpPr>
-          <p:nvPr>
-            <p:ph type="body" sz="quarter" idx="3"/>
-          </p:nvPr>
-        </p:nvSpPr>
-        <p:spPr>
-          <a:xfrm>
-            <a:off x="6172200" y="2098810"/>
-            <a:ext cx="5183188" cy="406265"/>
-          </a:xfrm>
-        </p:spPr>
-        <p:txBody>
-          <a:bodyPr/>
-          <a:lstStyle/>
-          <a:p>
-            <a:endParaRPr lang="en-US" sz="1600" dirty="0"/>
-          </a:p>
-        </p:txBody>
-      </p:sp>
-      <p:sp>
-        <p:nvSpPr>
-          <p:cNvPr id="8" name="Content Placeholder 7">
-            <a:extLst>
-              <a:ext uri="{FF2B5EF4-FFF2-40B4-BE49-F238E27FC236}">
-                <a16:creationId xmlns:a16="http://schemas.microsoft.com/office/drawing/2014/main" id="{FB9E7A62-4A52-4258-9051-8A853B5F94BB}"/>
-              </a:ext>
-            </a:extLst>
-          </p:cNvPr>
-          <p:cNvSpPr>
-            <a:spLocks noGrp="1"/>
-          </p:cNvSpPr>
-          <p:nvPr>
-            <p:ph sz="quarter" idx="4"/>
-          </p:nvPr>
-        </p:nvSpPr>
-        <p:spPr>
-          <a:xfrm>
-            <a:off x="6172200" y="2505075"/>
-            <a:ext cx="5183188" cy="406265"/>
-          </a:xfrm>
-        </p:spPr>
-        <p:txBody>
-          <a:bodyPr/>
-          <a:lstStyle/>
-          <a:p>
-            <a:endParaRPr lang="en-US" sz="1600" dirty="0">
-              <a:solidFill>
-                <a:schemeClr val="tx1"/>
-              </a:solidFill>
-            </a:endParaRPr>
-          </a:p>
-        </p:txBody>
-      </p:sp>
-    </p:spTree>
-    <p:extLst>
-      <p:ext uri="{BB962C8B-B14F-4D97-AF65-F5344CB8AC3E}">
-        <p14:creationId xmlns:p14="http://schemas.microsoft.com/office/powerpoint/2010/main" val="3521766818"/>
-      </p:ext>
-    </p:extLst>
-  </p:cSld>
-  <p:clrMapOvr>
-    <a:masterClrMapping/>
-  </p:clrMapOvr>
-  <p:transition>
-    <p:fade/>
-  </p:transition>
-</p:sld>
-</file>
-
-<file path=ppt/slides/slide14.xml><?xml version="1.0" encoding="utf-8"?>
-<p:sld xmlns:a="http://schemas.openxmlformats.org/drawingml/2006/main" xmlns:r="http://schemas.openxmlformats.org/officeDocument/2006/relationships" xmlns:p="http://schemas.openxmlformats.org/presentationml/2006/main">
-  <p:cSld>
-    <p:spTree>
-      <p:nvGrpSpPr>
-        <p:cNvPr id="1" name=""/>
-        <p:cNvGrpSpPr/>
-        <p:nvPr/>
-      </p:nvGrpSpPr>
-      <p:grpSpPr>
-        <a:xfrm>
-          <a:off x="0" y="0"/>
-          <a:ext cx="0" cy="0"/>
-          <a:chOff x="0" y="0"/>
-          <a:chExt cx="0" cy="0"/>
-        </a:xfrm>
-      </p:grpSpPr>
-      <p:sp>
-        <p:nvSpPr>
           <p:cNvPr id="2" name="Title 1"/>
           <p:cNvSpPr>
             <a:spLocks noGrp="1"/>
@@ -14799,7 +14338,7 @@
 </p:sld>
 </file>
 
-<file path=ppt/slides/slide15.xml><?xml version="1.0" encoding="utf-8"?>
+<file path=ppt/slides/slide13.xml><?xml version="1.0" encoding="utf-8"?>
 <p:sld xmlns:a="http://schemas.openxmlformats.org/drawingml/2006/main" xmlns:r="http://schemas.openxmlformats.org/officeDocument/2006/relationships" xmlns:p="http://schemas.openxmlformats.org/presentationml/2006/main">
   <p:cSld>
     <p:bg>
@@ -15110,7 +14649,7 @@
             <p:ph idx="1"/>
             <p:extLst>
               <p:ext uri="{D42A27DB-BD31-4B8C-83A1-F6EECF244321}">
-                <p14:modId xmlns:p14="http://schemas.microsoft.com/office/powerpoint/2010/main" val="3278232970"/>
+                <p14:modId xmlns:p14="http://schemas.microsoft.com/office/powerpoint/2010/main" val="1833862415"/>
               </p:ext>
             </p:extLst>
           </p:nvPr>
@@ -15190,7 +14729,10 @@
                     <a:bodyPr/>
                     <a:lstStyle/>
                     <a:p>
-                      <a:endParaRPr lang="en-US" sz="1200" dirty="0"/>
+                      <a:r>
+                        <a:rPr lang="en-US" sz="1200" dirty="0"/>
+                        <a:t>Create and set-up all materials required for the module.</a:t>
+                      </a:r>
                     </a:p>
                   </a:txBody>
                   <a:tcPr marL="90647" marR="90647" marT="45324" marB="45324" anchor="ctr"/>
@@ -15251,14 +14793,38 @@
             <p:ph type="body" sz="quarter" idx="10"/>
           </p:nvPr>
         </p:nvSpPr>
-        <p:spPr/>
+        <p:spPr>
+          <a:xfrm>
+            <a:off x="269239" y="1189177"/>
+            <a:ext cx="11653523" cy="496188"/>
+          </a:xfrm>
+        </p:spPr>
         <p:txBody>
           <a:bodyPr vert="horz" lIns="91440" tIns="45720" rIns="91440" bIns="45720" rtlCol="0">
             <a:normAutofit/>
           </a:bodyPr>
           <a:lstStyle/>
           <a:p>
-            <a:endParaRPr lang="en-US" sz="1400" dirty="0"/>
+            <a:r>
+              <a:rPr lang="en-US" sz="2000" dirty="0">
+                <a:solidFill>
+                  <a:schemeClr val="tx1"/>
+                </a:solidFill>
+                <a:hlinkClick r:id="rId2">
+                  <a:extLst>
+                    <a:ext uri="{A12FA001-AC4F-418D-AE19-62706E023703}">
+                      <ahyp:hlinkClr xmlns:ahyp="http://schemas.microsoft.com/office/drawing/2018/hyperlinkcolor" val="tx"/>
+                    </a:ext>
+                  </a:extLst>
+                </a:hlinkClick>
+              </a:rPr>
+              <a:t>Sign into the Azure Portal or Create a New Account with a free trial</a:t>
+            </a:r>
+            <a:endParaRPr lang="en-US" sz="2000" dirty="0">
+              <a:solidFill>
+                <a:schemeClr val="tx1"/>
+              </a:solidFill>
+            </a:endParaRPr>
           </a:p>
         </p:txBody>
       </p:sp>
@@ -15302,6 +14868,36 @@
           </a:p>
         </p:txBody>
       </p:sp>
+      <p:pic>
+        <p:nvPicPr>
+          <p:cNvPr id="3" name="Picture 2">
+            <a:extLst>
+              <a:ext uri="{FF2B5EF4-FFF2-40B4-BE49-F238E27FC236}">
+                <a16:creationId xmlns:a16="http://schemas.microsoft.com/office/drawing/2014/main" id="{5DE3B57E-BD0C-4B78-A3FC-FFDABB41C5D8}"/>
+              </a:ext>
+            </a:extLst>
+          </p:cNvPr>
+          <p:cNvPicPr>
+            <a:picLocks noChangeAspect="1"/>
+          </p:cNvPicPr>
+          <p:nvPr/>
+        </p:nvPicPr>
+        <p:blipFill>
+          <a:blip r:embed="rId3"/>
+          <a:stretch>
+            <a:fillRect/>
+          </a:stretch>
+        </p:blipFill>
+        <p:spPr>
+          <a:xfrm>
+            <a:off x="2039470" y="1827732"/>
+            <a:ext cx="8113059" cy="4475491"/>
+          </a:xfrm>
+          <a:prstGeom prst="rect">
+            <a:avLst/>
+          </a:prstGeom>
+        </p:spPr>
+      </p:pic>
     </p:spTree>
     <p:extLst>
       <p:ext uri="{BB962C8B-B14F-4D97-AF65-F5344CB8AC3E}">
@@ -15351,14 +14947,78 @@
             <p:ph type="body" sz="quarter" idx="10"/>
           </p:nvPr>
         </p:nvSpPr>
-        <p:spPr/>
+        <p:spPr>
+          <a:xfrm>
+            <a:off x="269239" y="1189177"/>
+            <a:ext cx="11653523" cy="1401623"/>
+          </a:xfrm>
+        </p:spPr>
         <p:txBody>
           <a:bodyPr vert="horz" lIns="91440" tIns="45720" rIns="91440" bIns="45720" rtlCol="0">
             <a:normAutofit/>
           </a:bodyPr>
           <a:lstStyle/>
           <a:p>
-            <a:endParaRPr lang="en-US" sz="1400" dirty="0"/>
+            <a:r>
+              <a:rPr lang="en-US" sz="2400" dirty="0">
+                <a:solidFill>
+                  <a:schemeClr val="tx1"/>
+                </a:solidFill>
+              </a:rPr>
+              <a:t>Download and Install Power BI Desktop using this link: </a:t>
+            </a:r>
+            <a:r>
+              <a:rPr lang="en-US" sz="2400" dirty="0">
+                <a:solidFill>
+                  <a:schemeClr val="tx1"/>
+                </a:solidFill>
+                <a:hlinkClick r:id="rId2">
+                  <a:extLst>
+                    <a:ext uri="{A12FA001-AC4F-418D-AE19-62706E023703}">
+                      <ahyp:hlinkClr xmlns:ahyp="http://schemas.microsoft.com/office/drawing/2018/hyperlinkcolor" val="tx"/>
+                    </a:ext>
+                  </a:extLst>
+                </a:hlinkClick>
+              </a:rPr>
+              <a:t>Download Link</a:t>
+            </a:r>
+            <a:endParaRPr lang="en-US" sz="2400" dirty="0">
+              <a:solidFill>
+                <a:schemeClr val="tx1"/>
+              </a:solidFill>
+            </a:endParaRPr>
+          </a:p>
+          <a:p>
+            <a:r>
+              <a:rPr lang="en-US" sz="2400" dirty="0">
+                <a:solidFill>
+                  <a:schemeClr val="tx1"/>
+                </a:solidFill>
+                <a:hlinkClick r:id="rId3">
+                  <a:extLst>
+                    <a:ext uri="{A12FA001-AC4F-418D-AE19-62706E023703}">
+                      <ahyp:hlinkClr xmlns:ahyp="http://schemas.microsoft.com/office/drawing/2018/hyperlinkcolor" val="tx"/>
+                    </a:ext>
+                  </a:extLst>
+                </a:hlinkClick>
+              </a:rPr>
+              <a:t>Installation Instructions</a:t>
+            </a:r>
+            <a:endParaRPr lang="en-US" sz="2400" dirty="0">
+              <a:solidFill>
+                <a:schemeClr val="tx1"/>
+              </a:solidFill>
+            </a:endParaRPr>
+          </a:p>
+          <a:p>
+            <a:r>
+              <a:rPr lang="en-US" sz="2400" dirty="0">
+                <a:solidFill>
+                  <a:schemeClr val="tx1"/>
+                </a:solidFill>
+              </a:rPr>
+              <a:t>Sign-Into Power BI with your Azure Portal credentials.</a:t>
+            </a:r>
           </a:p>
         </p:txBody>
       </p:sp>
@@ -15402,6 +15062,36 @@
           </a:p>
         </p:txBody>
       </p:sp>
+      <p:pic>
+        <p:nvPicPr>
+          <p:cNvPr id="3" name="Picture 2">
+            <a:extLst>
+              <a:ext uri="{FF2B5EF4-FFF2-40B4-BE49-F238E27FC236}">
+                <a16:creationId xmlns:a16="http://schemas.microsoft.com/office/drawing/2014/main" id="{33E82A4A-522F-4E73-B2FD-2D05B53D94AF}"/>
+              </a:ext>
+            </a:extLst>
+          </p:cNvPr>
+          <p:cNvPicPr>
+            <a:picLocks noChangeAspect="1"/>
+          </p:cNvPicPr>
+          <p:nvPr/>
+        </p:nvPicPr>
+        <p:blipFill>
+          <a:blip r:embed="rId4"/>
+          <a:stretch>
+            <a:fillRect/>
+          </a:stretch>
+        </p:blipFill>
+        <p:spPr>
+          <a:xfrm>
+            <a:off x="4714875" y="3247215"/>
+            <a:ext cx="2762250" cy="2148417"/>
+          </a:xfrm>
+          <a:prstGeom prst="rect">
+            <a:avLst/>
+          </a:prstGeom>
+        </p:spPr>
+      </p:pic>
     </p:spTree>
     <p:extLst>
       <p:ext uri="{BB962C8B-B14F-4D97-AF65-F5344CB8AC3E}">
@@ -15451,14 +15141,76 @@
             <p:ph type="body" sz="quarter" idx="10"/>
           </p:nvPr>
         </p:nvSpPr>
-        <p:spPr/>
+        <p:spPr>
+          <a:xfrm>
+            <a:off x="269239" y="1189177"/>
+            <a:ext cx="11653523" cy="2052030"/>
+          </a:xfrm>
+        </p:spPr>
         <p:txBody>
           <a:bodyPr vert="horz" lIns="91440" tIns="45720" rIns="91440" bIns="45720" rtlCol="0">
             <a:normAutofit/>
           </a:bodyPr>
           <a:lstStyle/>
           <a:p>
-            <a:endParaRPr lang="en-US" sz="1400" dirty="0"/>
+            <a:pPr marL="342900" indent="-342900">
+              <a:buFont typeface="+mj-lt"/>
+              <a:buAutoNum type="arabicPeriod"/>
+            </a:pPr>
+            <a:r>
+              <a:rPr lang="en-US" sz="2000" dirty="0"/>
+              <a:t>Download the two Excel files from the GitHub repository onto your local drive</a:t>
+            </a:r>
+          </a:p>
+          <a:p>
+            <a:pPr marL="342900" indent="-342900">
+              <a:buFont typeface="+mj-lt"/>
+              <a:buAutoNum type="arabicPeriod"/>
+            </a:pPr>
+            <a:r>
+              <a:rPr lang="en-US" sz="2000" dirty="0"/>
+              <a:t>Open Power BI Desktop</a:t>
+            </a:r>
+          </a:p>
+          <a:p>
+            <a:pPr marL="342900" indent="-342900">
+              <a:buFont typeface="+mj-lt"/>
+              <a:buAutoNum type="arabicPeriod"/>
+            </a:pPr>
+            <a:r>
+              <a:rPr lang="en-US" sz="2000" dirty="0"/>
+              <a:t>Select “Get Data” and then choose “Excel” from the list</a:t>
+            </a:r>
+          </a:p>
+          <a:p>
+            <a:pPr marL="342900" indent="-342900">
+              <a:buFont typeface="+mj-lt"/>
+              <a:buAutoNum type="arabicPeriod"/>
+            </a:pPr>
+            <a:r>
+              <a:rPr lang="en-US" sz="2000" dirty="0"/>
+              <a:t>Navigate the file explorer to the location of the first Excel files on your local drive and click “Open”</a:t>
+            </a:r>
+          </a:p>
+          <a:p>
+            <a:pPr marL="342900" indent="-342900">
+              <a:buFont typeface="+mj-lt"/>
+              <a:buAutoNum type="arabicPeriod"/>
+            </a:pPr>
+            <a:r>
+              <a:rPr lang="en-US" sz="2000" dirty="0"/>
+              <a:t>Place a checkbox next to all the Excel sheets to import them all</a:t>
+            </a:r>
+          </a:p>
+          <a:p>
+            <a:pPr marL="342900" indent="-342900">
+              <a:buFont typeface="+mj-lt"/>
+              <a:buAutoNum type="arabicPeriod"/>
+            </a:pPr>
+            <a:r>
+              <a:rPr lang="en-US" sz="2000" dirty="0"/>
+              <a:t>Repeat steps 4-5 for the second Excel file</a:t>
+            </a:r>
           </a:p>
         </p:txBody>
       </p:sp>
@@ -15502,6 +15254,231 @@
           </a:p>
         </p:txBody>
       </p:sp>
+      <p:grpSp>
+        <p:nvGrpSpPr>
+          <p:cNvPr id="9" name="Group 8">
+            <a:extLst>
+              <a:ext uri="{FF2B5EF4-FFF2-40B4-BE49-F238E27FC236}">
+                <a16:creationId xmlns:a16="http://schemas.microsoft.com/office/drawing/2014/main" id="{F871BC6A-446C-42AD-8F70-DFA7F0A6ED97}"/>
+              </a:ext>
+            </a:extLst>
+          </p:cNvPr>
+          <p:cNvGrpSpPr/>
+          <p:nvPr/>
+        </p:nvGrpSpPr>
+        <p:grpSpPr>
+          <a:xfrm>
+            <a:off x="1955425" y="3556849"/>
+            <a:ext cx="8281150" cy="2518980"/>
+            <a:chOff x="1705535" y="3556849"/>
+            <a:chExt cx="8281150" cy="2518980"/>
+          </a:xfrm>
+        </p:grpSpPr>
+        <p:pic>
+          <p:nvPicPr>
+            <p:cNvPr id="5" name="Picture 4">
+              <a:extLst>
+                <a:ext uri="{FF2B5EF4-FFF2-40B4-BE49-F238E27FC236}">
+                  <a16:creationId xmlns:a16="http://schemas.microsoft.com/office/drawing/2014/main" id="{19382719-7BD4-4151-A7D4-6455DD8B4148}"/>
+                </a:ext>
+              </a:extLst>
+            </p:cNvPr>
+            <p:cNvPicPr>
+              <a:picLocks noChangeAspect="1"/>
+            </p:cNvPicPr>
+            <p:nvPr/>
+          </p:nvPicPr>
+          <p:blipFill>
+            <a:blip r:embed="rId2"/>
+            <a:stretch>
+              <a:fillRect/>
+            </a:stretch>
+          </p:blipFill>
+          <p:spPr>
+            <a:xfrm>
+              <a:off x="6633885" y="3561229"/>
+              <a:ext cx="3352800" cy="2514600"/>
+            </a:xfrm>
+            <a:prstGeom prst="rect">
+              <a:avLst/>
+            </a:prstGeom>
+          </p:spPr>
+        </p:pic>
+        <p:pic>
+          <p:nvPicPr>
+            <p:cNvPr id="6" name="Picture 5">
+              <a:extLst>
+                <a:ext uri="{FF2B5EF4-FFF2-40B4-BE49-F238E27FC236}">
+                  <a16:creationId xmlns:a16="http://schemas.microsoft.com/office/drawing/2014/main" id="{F659E1B1-FAC4-4B47-ABFA-EE14F23A2906}"/>
+                </a:ext>
+              </a:extLst>
+            </p:cNvPr>
+            <p:cNvPicPr>
+              <a:picLocks noChangeAspect="1"/>
+            </p:cNvPicPr>
+            <p:nvPr/>
+          </p:nvPicPr>
+          <p:blipFill>
+            <a:blip r:embed="rId3"/>
+            <a:stretch>
+              <a:fillRect/>
+            </a:stretch>
+          </p:blipFill>
+          <p:spPr>
+            <a:xfrm>
+              <a:off x="1705535" y="3556849"/>
+              <a:ext cx="3807759" cy="2518979"/>
+            </a:xfrm>
+            <a:prstGeom prst="rect">
+              <a:avLst/>
+            </a:prstGeom>
+          </p:spPr>
+        </p:pic>
+        <p:sp>
+          <p:nvSpPr>
+            <p:cNvPr id="7" name="Rectangle 6">
+              <a:extLst>
+                <a:ext uri="{FF2B5EF4-FFF2-40B4-BE49-F238E27FC236}">
+                  <a16:creationId xmlns:a16="http://schemas.microsoft.com/office/drawing/2014/main" id="{88EE94E3-B763-44A7-9DE0-42C8A86A52F8}"/>
+                </a:ext>
+              </a:extLst>
+            </p:cNvPr>
+            <p:cNvSpPr/>
+            <p:nvPr/>
+          </p:nvSpPr>
+          <p:spPr bwMode="auto">
+            <a:xfrm>
+              <a:off x="2097740" y="5217457"/>
+              <a:ext cx="1281953" cy="461682"/>
+            </a:xfrm>
+            <a:prstGeom prst="rect">
+              <a:avLst/>
+            </a:prstGeom>
+            <a:noFill/>
+            <a:ln w="57150">
+              <a:solidFill>
+                <a:srgbClr val="FF0000"/>
+              </a:solidFill>
+              <a:headEnd type="none" w="med" len="med"/>
+              <a:tailEnd type="none" w="med" len="med"/>
+            </a:ln>
+            <a:effectLst/>
+          </p:spPr>
+          <p:style>
+            <a:lnRef idx="1">
+              <a:schemeClr val="accent2"/>
+            </a:lnRef>
+            <a:fillRef idx="3">
+              <a:schemeClr val="accent2"/>
+            </a:fillRef>
+            <a:effectRef idx="2">
+              <a:schemeClr val="accent2"/>
+            </a:effectRef>
+            <a:fontRef idx="minor">
+              <a:schemeClr val="lt1"/>
+            </a:fontRef>
+          </p:style>
+          <p:txBody>
+            <a:bodyPr rot="0" spcFirstLastPara="0" vertOverflow="overflow" horzOverflow="overflow" vert="horz" wrap="square" lIns="182880" tIns="146304" rIns="182880" bIns="146304" numCol="1" spcCol="0" rtlCol="0" fromWordArt="0" anchor="t" anchorCtr="0" forceAA="0" compatLnSpc="1">
+              <a:prstTxWarp prst="textNoShape">
+                <a:avLst/>
+              </a:prstTxWarp>
+              <a:noAutofit/>
+            </a:bodyPr>
+            <a:lstStyle/>
+            <a:p>
+              <a:pPr algn="ctr" defTabSz="932472" fontAlgn="base">
+                <a:lnSpc>
+                  <a:spcPct val="90000"/>
+                </a:lnSpc>
+                <a:spcBef>
+                  <a:spcPct val="0"/>
+                </a:spcBef>
+                <a:spcAft>
+                  <a:spcPct val="0"/>
+                </a:spcAft>
+              </a:pPr>
+              <a:endParaRPr lang="en-US" sz="2400" dirty="0" err="1">
+                <a:noFill/>
+                <a:ea typeface="Segoe UI" pitchFamily="34" charset="0"/>
+                <a:cs typeface="Segoe UI" pitchFamily="34" charset="0"/>
+              </a:endParaRPr>
+            </a:p>
+          </p:txBody>
+        </p:sp>
+        <p:sp>
+          <p:nvSpPr>
+            <p:cNvPr id="8" name="Rectangle 7">
+              <a:extLst>
+                <a:ext uri="{FF2B5EF4-FFF2-40B4-BE49-F238E27FC236}">
+                  <a16:creationId xmlns:a16="http://schemas.microsoft.com/office/drawing/2014/main" id="{37723C52-1AEE-41C5-8EA6-24600CB44D7B}"/>
+                </a:ext>
+              </a:extLst>
+            </p:cNvPr>
+            <p:cNvSpPr/>
+            <p:nvPr/>
+          </p:nvSpPr>
+          <p:spPr bwMode="auto">
+            <a:xfrm>
+              <a:off x="8292355" y="4150657"/>
+              <a:ext cx="645460" cy="838251"/>
+            </a:xfrm>
+            <a:prstGeom prst="rect">
+              <a:avLst/>
+            </a:prstGeom>
+            <a:noFill/>
+            <a:ln w="57150">
+              <a:solidFill>
+                <a:srgbClr val="FF0000"/>
+              </a:solidFill>
+              <a:headEnd type="none" w="med" len="med"/>
+              <a:tailEnd type="none" w="med" len="med"/>
+            </a:ln>
+            <a:effectLst/>
+          </p:spPr>
+          <p:style>
+            <a:lnRef idx="1">
+              <a:schemeClr val="accent2"/>
+            </a:lnRef>
+            <a:fillRef idx="3">
+              <a:schemeClr val="accent2"/>
+            </a:fillRef>
+            <a:effectRef idx="2">
+              <a:schemeClr val="accent2"/>
+            </a:effectRef>
+            <a:fontRef idx="minor">
+              <a:schemeClr val="lt1"/>
+            </a:fontRef>
+          </p:style>
+          <p:txBody>
+            <a:bodyPr rot="0" spcFirstLastPara="0" vertOverflow="overflow" horzOverflow="overflow" vert="horz" wrap="square" lIns="182880" tIns="146304" rIns="182880" bIns="146304" numCol="1" spcCol="0" rtlCol="0" fromWordArt="0" anchor="t" anchorCtr="0" forceAA="0" compatLnSpc="1">
+              <a:prstTxWarp prst="textNoShape">
+                <a:avLst/>
+              </a:prstTxWarp>
+              <a:noAutofit/>
+            </a:bodyPr>
+            <a:lstStyle/>
+            <a:p>
+              <a:pPr algn="ctr" defTabSz="932472" fontAlgn="base">
+                <a:lnSpc>
+                  <a:spcPct val="90000"/>
+                </a:lnSpc>
+                <a:spcBef>
+                  <a:spcPct val="0"/>
+                </a:spcBef>
+                <a:spcAft>
+                  <a:spcPct val="0"/>
+                </a:spcAft>
+              </a:pPr>
+              <a:endParaRPr lang="en-US" sz="2400" dirty="0" err="1">
+                <a:noFill/>
+                <a:ea typeface="Segoe UI" pitchFamily="34" charset="0"/>
+                <a:cs typeface="Segoe UI" pitchFamily="34" charset="0"/>
+              </a:endParaRPr>
+            </a:p>
+          </p:txBody>
+        </p:sp>
+      </p:grpSp>
     </p:spTree>
     <p:extLst>
       <p:ext uri="{BB962C8B-B14F-4D97-AF65-F5344CB8AC3E}">
@@ -16584,12 +16561,12 @@
 </file>
 
 <file path=customXml/item1.xml><?xml version="1.0" encoding="utf-8"?>
-<?mso-contentType ?>
-<FormTemplates xmlns="http://schemas.microsoft.com/sharepoint/v3/contenttype/forms">
-  <Display>DocumentLibraryForm</Display>
-  <Edit>DocumentLibraryForm</Edit>
-  <New>DocumentLibraryForm</New>
-</FormTemplates>
+<p:properties xmlns:p="http://schemas.microsoft.com/office/2006/metadata/properties" xmlns:xsi="http://www.w3.org/2001/XMLSchema-instance" xmlns:pc="http://schemas.microsoft.com/office/infopath/2007/PartnerControls">
+  <documentManagement>
+    <_ip_UnifiedCompliancePolicyUIAction xmlns="http://schemas.microsoft.com/sharepoint/v3" xsi:nil="true"/>
+    <_ip_UnifiedCompliancePolicyProperties xmlns="http://schemas.microsoft.com/sharepoint/v3" xsi:nil="true"/>
+  </documentManagement>
+</p:properties>
 </file>
 
 <file path=customXml/item2.xml><?xml version="1.0" encoding="utf-8"?>
@@ -16795,18 +16772,28 @@
 </file>
 
 <file path=customXml/item3.xml><?xml version="1.0" encoding="utf-8"?>
-<p:properties xmlns:p="http://schemas.microsoft.com/office/2006/metadata/properties" xmlns:xsi="http://www.w3.org/2001/XMLSchema-instance" xmlns:pc="http://schemas.microsoft.com/office/infopath/2007/PartnerControls">
-  <documentManagement>
-    <_ip_UnifiedCompliancePolicyUIAction xmlns="http://schemas.microsoft.com/sharepoint/v3" xsi:nil="true"/>
-    <_ip_UnifiedCompliancePolicyProperties xmlns="http://schemas.microsoft.com/sharepoint/v3" xsi:nil="true"/>
-  </documentManagement>
-</p:properties>
+<?mso-contentType ?>
+<FormTemplates xmlns="http://schemas.microsoft.com/sharepoint/v3/contenttype/forms">
+  <Display>DocumentLibraryForm</Display>
+  <Edit>DocumentLibraryForm</Edit>
+  <New>DocumentLibraryForm</New>
+</FormTemplates>
 </file>
 
 <file path=customXml/itemProps1.xml><?xml version="1.0" encoding="utf-8"?>
-<ds:datastoreItem xmlns:ds="http://schemas.openxmlformats.org/officeDocument/2006/customXml" ds:itemID="{F18501AF-04CF-4482-BAE1-607B49DDC378}">
+<ds:datastoreItem xmlns:ds="http://schemas.openxmlformats.org/officeDocument/2006/customXml" ds:itemID="{BAF7D529-36AB-45DA-B239-2F912F2D1610}">
   <ds:schemaRefs>
-    <ds:schemaRef ds:uri="http://schemas.microsoft.com/sharepoint/v3/contenttype/forms"/>
+    <ds:schemaRef ds:uri="http://schemas.microsoft.com/office/2006/metadata/properties"/>
+    <ds:schemaRef ds:uri="d9c797ad-d7c3-4982-82b7-81352a75e4a5"/>
+    <ds:schemaRef ds:uri="http://purl.org/dc/terms/"/>
+    <ds:schemaRef ds:uri="2023ac63-7b75-4916-a9ee-591457758eee"/>
+    <ds:schemaRef ds:uri="http://purl.org/dc/elements/1.1/"/>
+    <ds:schemaRef ds:uri="http://schemas.openxmlformats.org/package/2006/metadata/core-properties"/>
+    <ds:schemaRef ds:uri="http://purl.org/dc/dcmitype/"/>
+    <ds:schemaRef ds:uri="http://schemas.microsoft.com/office/2006/documentManagement/types"/>
+    <ds:schemaRef ds:uri="http://schemas.microsoft.com/office/infopath/2007/PartnerControls"/>
+    <ds:schemaRef ds:uri="http://schemas.microsoft.com/sharepoint/v3"/>
+    <ds:schemaRef ds:uri="http://www.w3.org/XML/1998/namespace"/>
   </ds:schemaRefs>
 </ds:datastoreItem>
 </file>
@@ -16832,19 +16819,9 @@
 </file>
 
 <file path=customXml/itemProps3.xml><?xml version="1.0" encoding="utf-8"?>
-<ds:datastoreItem xmlns:ds="http://schemas.openxmlformats.org/officeDocument/2006/customXml" ds:itemID="{BAF7D529-36AB-45DA-B239-2F912F2D1610}">
+<ds:datastoreItem xmlns:ds="http://schemas.openxmlformats.org/officeDocument/2006/customXml" ds:itemID="{F18501AF-04CF-4482-BAE1-607B49DDC378}">
   <ds:schemaRefs>
-    <ds:schemaRef ds:uri="http://schemas.microsoft.com/office/2006/metadata/properties"/>
-    <ds:schemaRef ds:uri="d9c797ad-d7c3-4982-82b7-81352a75e4a5"/>
-    <ds:schemaRef ds:uri="http://purl.org/dc/terms/"/>
-    <ds:schemaRef ds:uri="2023ac63-7b75-4916-a9ee-591457758eee"/>
-    <ds:schemaRef ds:uri="http://purl.org/dc/elements/1.1/"/>
-    <ds:schemaRef ds:uri="http://schemas.openxmlformats.org/package/2006/metadata/core-properties"/>
-    <ds:schemaRef ds:uri="http://purl.org/dc/dcmitype/"/>
-    <ds:schemaRef ds:uri="http://schemas.microsoft.com/office/2006/documentManagement/types"/>
-    <ds:schemaRef ds:uri="http://schemas.microsoft.com/office/infopath/2007/PartnerControls"/>
-    <ds:schemaRef ds:uri="http://schemas.microsoft.com/sharepoint/v3"/>
-    <ds:schemaRef ds:uri="http://www.w3.org/XML/1998/namespace"/>
+    <ds:schemaRef ds:uri="http://schemas.microsoft.com/sharepoint/v3/contenttype/forms"/>
   </ds:schemaRefs>
 </ds:datastoreItem>
 </file>